--- a/RWorkshopBonus-TheBleedingEdge.pptx
+++ b/RWorkshopBonus-TheBleedingEdge.pptx
@@ -223,7 +223,7 @@
           <a:p>
             <a:fld id="{B19CE214-9AFB-E740-B16B-18F53A0781A3}" type="datetimeFigureOut">
               <a:rPr lang="en-US" smtClean="0"/>
-              <a:t>1/7/21</a:t>
+              <a:t>5/3/21</a:t>
             </a:fld>
             <a:endParaRPr lang="en-US"/>
           </a:p>
@@ -389,7 +389,7 @@
           <a:p>
             <a:fld id="{D876641D-80A4-7C42-9937-913BB839A9FB}" type="datetimeFigureOut">
               <a:rPr lang="en-US" smtClean="0"/>
-              <a:t>1/7/21</a:t>
+              <a:t>5/3/21</a:t>
             </a:fld>
             <a:endParaRPr lang="en-US"/>
           </a:p>
@@ -836,7 +836,7 @@
           <a:p>
             <a:fld id="{4B081724-3C24-F745-B456-03E0C4FEDED5}" type="datetime1">
               <a:rPr lang="en-US" smtClean="0"/>
-              <a:t>1/7/21</a:t>
+              <a:t>5/3/21</a:t>
             </a:fld>
             <a:endParaRPr lang="en-US"/>
           </a:p>
@@ -1004,7 +1004,7 @@
           <a:p>
             <a:fld id="{556CE742-7119-ED44-9927-E2B27E776D63}" type="datetime1">
               <a:rPr lang="en-US" smtClean="0"/>
-              <a:t>1/7/21</a:t>
+              <a:t>5/3/21</a:t>
             </a:fld>
             <a:endParaRPr lang="en-US"/>
           </a:p>
@@ -1182,7 +1182,7 @@
           <a:p>
             <a:fld id="{C27AD952-1060-9F43-9AD4-AF3A4D5F503C}" type="datetime1">
               <a:rPr lang="en-US" smtClean="0"/>
-              <a:t>1/7/21</a:t>
+              <a:t>5/3/21</a:t>
             </a:fld>
             <a:endParaRPr lang="en-US"/>
           </a:p>
@@ -1350,7 +1350,7 @@
           <a:p>
             <a:fld id="{5B6BABAF-6EA5-AD47-906B-8EA3CC7D0523}" type="datetime1">
               <a:rPr lang="en-US" smtClean="0"/>
-              <a:t>1/7/21</a:t>
+              <a:t>5/3/21</a:t>
             </a:fld>
             <a:endParaRPr lang="en-US"/>
           </a:p>
@@ -1595,7 +1595,7 @@
           <a:p>
             <a:fld id="{B8A7B011-D10F-8F42-828B-CF3653CADB88}" type="datetime1">
               <a:rPr lang="en-US" smtClean="0"/>
-              <a:t>1/7/21</a:t>
+              <a:t>5/3/21</a:t>
             </a:fld>
             <a:endParaRPr lang="en-US"/>
           </a:p>
@@ -1880,7 +1880,7 @@
           <a:p>
             <a:fld id="{A6C378EC-3739-3D40-943A-9620F09EFE1F}" type="datetime1">
               <a:rPr lang="en-US" smtClean="0"/>
-              <a:t>1/7/21</a:t>
+              <a:t>5/3/21</a:t>
             </a:fld>
             <a:endParaRPr lang="en-US"/>
           </a:p>
@@ -2299,7 +2299,7 @@
           <a:p>
             <a:fld id="{9EFDF5C0-6386-834F-BA2A-0849AD8C2326}" type="datetime1">
               <a:rPr lang="en-US" smtClean="0"/>
-              <a:t>1/7/21</a:t>
+              <a:t>5/3/21</a:t>
             </a:fld>
             <a:endParaRPr lang="en-US"/>
           </a:p>
@@ -2416,7 +2416,7 @@
           <a:p>
             <a:fld id="{0F22D1C8-A1B0-864E-9F00-2B03DF3D0AD4}" type="datetime1">
               <a:rPr lang="en-US" smtClean="0"/>
-              <a:t>1/7/21</a:t>
+              <a:t>5/3/21</a:t>
             </a:fld>
             <a:endParaRPr lang="en-US"/>
           </a:p>
@@ -2511,7 +2511,7 @@
           <a:p>
             <a:fld id="{D09EF098-2E23-F842-BAAC-53378847314C}" type="datetime1">
               <a:rPr lang="en-US" smtClean="0"/>
-              <a:t>1/7/21</a:t>
+              <a:t>5/3/21</a:t>
             </a:fld>
             <a:endParaRPr lang="en-US"/>
           </a:p>
@@ -2786,7 +2786,7 @@
           <a:p>
             <a:fld id="{E1ED9CEE-D6FC-FB4D-A831-6BB2715BC0B6}" type="datetime1">
               <a:rPr lang="en-US" smtClean="0"/>
-              <a:t>1/7/21</a:t>
+              <a:t>5/3/21</a:t>
             </a:fld>
             <a:endParaRPr lang="en-US"/>
           </a:p>
@@ -3038,7 +3038,7 @@
           <a:p>
             <a:fld id="{05DF4DDA-09E1-124B-B855-AE1CB6B864B3}" type="datetime1">
               <a:rPr lang="en-US" smtClean="0"/>
-              <a:t>1/7/21</a:t>
+              <a:t>5/3/21</a:t>
             </a:fld>
             <a:endParaRPr lang="en-US"/>
           </a:p>
@@ -3249,7 +3249,7 @@
           <a:p>
             <a:fld id="{37D3F89A-FA85-B34B-98D9-D80E45DCEF5E}" type="datetime1">
               <a:rPr lang="en-US" smtClean="0"/>
-              <a:t>1/7/21</a:t>
+              <a:t>5/3/21</a:t>
             </a:fld>
             <a:endParaRPr lang="en-US"/>
           </a:p>
@@ -3693,9 +3693,10 @@
           </a:p>
           <a:p>
             <a:r>
-              <a:rPr lang="en-US" dirty="0"/>
-              <a:t>SER 2020</a:t>
-            </a:r>
+              <a:rPr lang="en-US"/>
+              <a:t>SER 2021</a:t>
+            </a:r>
+            <a:endParaRPr lang="en-US" dirty="0"/>
           </a:p>
         </p:txBody>
       </p:sp>
@@ -3734,14 +3735,14 @@
           </a:ln>
           <a:extLst>
             <a:ext uri="{909E8E84-426E-40dd-AFC4-6F175D3DCCD1}">
-              <a14:hiddenFill xmlns:a14="http://schemas.microsoft.com/office/drawing/2010/main" xmlns="">
+              <a14:hiddenFill xmlns="" xmlns:a14="http://schemas.microsoft.com/office/drawing/2010/main">
                 <a:solidFill>
                   <a:schemeClr val="accent1"/>
                 </a:solidFill>
               </a14:hiddenFill>
             </a:ext>
             <a:ext uri="{91240B29-F687-4f45-9708-019B960494DF}">
-              <a14:hiddenLine xmlns:a14="http://schemas.microsoft.com/office/drawing/2010/main" xmlns="" w="9525">
+              <a14:hiddenLine xmlns="" xmlns:a14="http://schemas.microsoft.com/office/drawing/2010/main" w="9525">
                 <a:solidFill>
                   <a:schemeClr val="tx1"/>
                 </a:solidFill>
@@ -3788,14 +3789,14 @@
           </a:ln>
           <a:extLst>
             <a:ext uri="{909E8E84-426E-40dd-AFC4-6F175D3DCCD1}">
-              <a14:hiddenFill xmlns:a14="http://schemas.microsoft.com/office/drawing/2010/main" xmlns="">
+              <a14:hiddenFill xmlns="" xmlns:a14="http://schemas.microsoft.com/office/drawing/2010/main">
                 <a:solidFill>
                   <a:schemeClr val="accent1"/>
                 </a:solidFill>
               </a14:hiddenFill>
             </a:ext>
             <a:ext uri="{91240B29-F687-4f45-9708-019B960494DF}">
-              <a14:hiddenLine xmlns:a14="http://schemas.microsoft.com/office/drawing/2010/main" xmlns="" w="9525">
+              <a14:hiddenLine xmlns="" xmlns:a14="http://schemas.microsoft.com/office/drawing/2010/main" w="9525">
                 <a:solidFill>
                   <a:schemeClr val="tx1"/>
                 </a:solidFill>
@@ -4706,14 +4707,14 @@
           </a:ln>
           <a:extLst>
             <a:ext uri="{909E8E84-426E-40dd-AFC4-6F175D3DCCD1}">
-              <a14:hiddenFill xmlns:a14="http://schemas.microsoft.com/office/drawing/2010/main" xmlns="">
+              <a14:hiddenFill xmlns="" xmlns:a14="http://schemas.microsoft.com/office/drawing/2010/main">
                 <a:solidFill>
                   <a:schemeClr val="accent1"/>
                 </a:solidFill>
               </a14:hiddenFill>
             </a:ext>
             <a:ext uri="{91240B29-F687-4f45-9708-019B960494DF}">
-              <a14:hiddenLine xmlns:a14="http://schemas.microsoft.com/office/drawing/2010/main" xmlns="" w="9525">
+              <a14:hiddenLine xmlns="" xmlns:a14="http://schemas.microsoft.com/office/drawing/2010/main" w="9525">
                 <a:solidFill>
                   <a:schemeClr val="tx1"/>
                 </a:solidFill>
@@ -4928,14 +4929,14 @@
           </a:ln>
           <a:extLst>
             <a:ext uri="{909E8E84-426E-40dd-AFC4-6F175D3DCCD1}">
-              <a14:hiddenFill xmlns:a14="http://schemas.microsoft.com/office/drawing/2010/main" xmlns="">
+              <a14:hiddenFill xmlns="" xmlns:a14="http://schemas.microsoft.com/office/drawing/2010/main">
                 <a:solidFill>
                   <a:schemeClr val="accent1"/>
                 </a:solidFill>
               </a14:hiddenFill>
             </a:ext>
             <a:ext uri="{91240B29-F687-4f45-9708-019B960494DF}">
-              <a14:hiddenLine xmlns:a14="http://schemas.microsoft.com/office/drawing/2010/main" xmlns="" w="9525">
+              <a14:hiddenLine xmlns="" xmlns:a14="http://schemas.microsoft.com/office/drawing/2010/main" w="9525">
                 <a:solidFill>
                   <a:schemeClr val="tx1"/>
                 </a:solidFill>
@@ -5885,7 +5886,7 @@
           <a:noFill/>
           <a:extLst>
             <a:ext uri="{909E8E84-426E-40dd-AFC4-6F175D3DCCD1}">
-              <a14:hiddenFill xmlns:a14="http://schemas.microsoft.com/office/drawing/2010/main" xmlns="">
+              <a14:hiddenFill xmlns="" xmlns:a14="http://schemas.microsoft.com/office/drawing/2010/main">
                 <a:solidFill>
                   <a:srgbClr val="FFFFFF"/>
                 </a:solidFill>
@@ -6034,14 +6035,14 @@
           <a:effectLst/>
           <a:extLst>
             <a:ext uri="{909E8E84-426E-40dd-AFC4-6F175D3DCCD1}">
-              <a14:hiddenFill xmlns:a14="http://schemas.microsoft.com/office/drawing/2010/main" xmlns="">
+              <a14:hiddenFill xmlns="" xmlns:a14="http://schemas.microsoft.com/office/drawing/2010/main">
                 <a:solidFill>
                   <a:schemeClr val="accent1"/>
                 </a:solidFill>
               </a14:hiddenFill>
             </a:ext>
             <a:ext uri="{91240B29-F687-4f45-9708-019B960494DF}">
-              <a14:hiddenLine xmlns:a14="http://schemas.microsoft.com/office/drawing/2010/main" xmlns="" w="9525">
+              <a14:hiddenLine xmlns="" xmlns:a14="http://schemas.microsoft.com/office/drawing/2010/main" w="9525">
                 <a:solidFill>
                   <a:schemeClr val="tx1"/>
                 </a:solidFill>
@@ -6051,7 +6052,7 @@
               </a14:hiddenLine>
             </a:ext>
             <a:ext uri="{AF507438-7753-43e0-B8FC-AC1667EBCBE1}">
-              <a14:hiddenEffects xmlns:a14="http://schemas.microsoft.com/office/drawing/2010/main" xmlns="">
+              <a14:hiddenEffects xmlns="" xmlns:a14="http://schemas.microsoft.com/office/drawing/2010/main">
                 <a:effectLst>
                   <a:outerShdw dist="35921" dir="2700000" algn="ctr" rotWithShape="0">
                     <a:schemeClr val="bg2"/>
